--- a/slides/2017.10.03-Arvore.pptx
+++ b/slides/2017.10.03-Arvore.pptx
@@ -398,7 +398,7 @@
           <a:p>
             <a:fld id="{9E0BFD56-3D73-451E-9A87-18740EEBF47F}" type="datetimeFigureOut">
               <a:rPr lang="pt-BR" smtClean="0"/>
-              <a:t>05/10/2017</a:t>
+              <a:t>17/10/2017</a:t>
             </a:fld>
             <a:endParaRPr lang="pt-BR"/>
           </a:p>
@@ -574,7 +574,7 @@
           <a:p>
             <a:fld id="{9E0BFD56-3D73-451E-9A87-18740EEBF47F}" type="datetimeFigureOut">
               <a:rPr lang="pt-BR" smtClean="0"/>
-              <a:t>05/10/2017</a:t>
+              <a:t>17/10/2017</a:t>
             </a:fld>
             <a:endParaRPr lang="pt-BR"/>
           </a:p>
@@ -698,7 +698,7 @@
           <a:p>
             <a:fld id="{9E0BFD56-3D73-451E-9A87-18740EEBF47F}" type="datetimeFigureOut">
               <a:rPr lang="pt-BR" smtClean="0"/>
-              <a:t>05/10/2017</a:t>
+              <a:t>17/10/2017</a:t>
             </a:fld>
             <a:endParaRPr lang="pt-BR"/>
           </a:p>
@@ -788,7 +788,7 @@
           <a:p>
             <a:fld id="{9E0BFD56-3D73-451E-9A87-18740EEBF47F}" type="datetimeFigureOut">
               <a:rPr lang="pt-BR" smtClean="0"/>
-              <a:t>05/10/2017</a:t>
+              <a:t>17/10/2017</a:t>
             </a:fld>
             <a:endParaRPr lang="pt-BR"/>
           </a:p>
@@ -1026,7 +1026,7 @@
           <a:p>
             <a:fld id="{9E0BFD56-3D73-451E-9A87-18740EEBF47F}" type="datetimeFigureOut">
               <a:rPr lang="pt-BR" smtClean="0"/>
-              <a:t>05/10/2017</a:t>
+              <a:t>17/10/2017</a:t>
             </a:fld>
             <a:endParaRPr lang="pt-BR"/>
           </a:p>
@@ -1202,7 +1202,7 @@
           <a:p>
             <a:fld id="{9E0BFD56-3D73-451E-9A87-18740EEBF47F}" type="datetimeFigureOut">
               <a:rPr lang="pt-BR" smtClean="0"/>
-              <a:t>05/10/2017</a:t>
+              <a:t>17/10/2017</a:t>
             </a:fld>
             <a:endParaRPr lang="pt-BR"/>
           </a:p>
@@ -1440,7 +1440,7 @@
           <a:p>
             <a:fld id="{9E0BFD56-3D73-451E-9A87-18740EEBF47F}" type="datetimeFigureOut">
               <a:rPr lang="pt-BR" smtClean="0"/>
-              <a:t>05/10/2017</a:t>
+              <a:t>17/10/2017</a:t>
             </a:fld>
             <a:endParaRPr lang="pt-BR"/>
           </a:p>
@@ -1709,7 +1709,7 @@
           <a:p>
             <a:fld id="{9E0BFD56-3D73-451E-9A87-18740EEBF47F}" type="datetimeFigureOut">
               <a:rPr lang="pt-BR" smtClean="0"/>
-              <a:t>05/10/2017</a:t>
+              <a:t>17/10/2017</a:t>
             </a:fld>
             <a:endParaRPr lang="pt-BR"/>
           </a:p>
@@ -1985,13 +1985,6 @@
   <p:clrMapOvr>
     <a:masterClrMapping/>
   </p:clrMapOvr>
-  <p:timing>
-    <p:tnLst>
-      <p:par>
-        <p:cTn id="1" dur="indefinite" restart="never" nodeType="tmRoot"/>
-      </p:par>
-    </p:tnLst>
-  </p:timing>
 </p:sld>
 </file>
 
@@ -2133,19 +2126,7 @@
             </a:pPr>
             <a:r>
               <a:rPr lang="pt-BR" dirty="0" smtClean="0"/>
-              <a:t>Seminário: </a:t>
-            </a:r>
-            <a:r>
-              <a:rPr lang="pt-BR" dirty="0" smtClean="0"/>
-              <a:t>3 </a:t>
-            </a:r>
-            <a:r>
-              <a:rPr lang="pt-BR" dirty="0" smtClean="0"/>
-              <a:t>grupos – Valor: </a:t>
-            </a:r>
-            <a:r>
-              <a:rPr lang="pt-BR" dirty="0" smtClean="0"/>
-              <a:t>2,5 </a:t>
+              <a:t>Seminário: 4 grupos – Valor: 2 </a:t>
             </a:r>
             <a:r>
               <a:rPr lang="pt-BR" dirty="0" err="1" smtClean="0"/>
@@ -2159,13 +2140,22 @@
           <a:p>
             <a:pPr lvl="1"/>
             <a:r>
-              <a:rPr lang="pt-BR" dirty="0" smtClean="0"/>
-              <a:t>Grupo 1: </a:t>
-            </a:r>
-            <a:r>
-              <a:rPr lang="pt-BR" dirty="0" smtClean="0"/>
-              <a:t>pesquisa sobre Árvore AVL</a:t>
-            </a:r>
+              <a:rPr lang="pt-BR" dirty="0"/>
+              <a:t>Grupo </a:t>
+            </a:r>
+            <a:r>
+              <a:rPr lang="pt-BR" dirty="0" smtClean="0"/>
+              <a:t>1: </a:t>
+            </a:r>
+            <a:r>
+              <a:rPr lang="pt-BR" dirty="0"/>
+              <a:t>Pesquisa sobre </a:t>
+            </a:r>
+            <a:r>
+              <a:rPr lang="pt-BR" dirty="0" err="1"/>
+              <a:t>Heap</a:t>
+            </a:r>
+            <a:endParaRPr lang="pt-BR" dirty="0"/>
           </a:p>
           <a:p>
             <a:pPr lvl="1"/>
@@ -2174,27 +2164,26 @@
               <a:t>Grupo </a:t>
             </a:r>
             <a:r>
-              <a:rPr lang="pt-BR" dirty="0" smtClean="0"/>
-              <a:t>2: </a:t>
-            </a:r>
-            <a:r>
-              <a:rPr lang="pt-BR" dirty="0" smtClean="0"/>
-              <a:t>pesquisa sobre árvore Rubro-Negra</a:t>
+              <a:rPr lang="pt-BR" dirty="0"/>
+              <a:t>2</a:t>
+            </a:r>
+            <a:r>
+              <a:rPr lang="pt-BR" dirty="0" smtClean="0"/>
+              <a:t>: pesquisa sobre Árvore AVL</a:t>
             </a:r>
           </a:p>
           <a:p>
             <a:pPr lvl="1"/>
             <a:r>
               <a:rPr lang="pt-BR" dirty="0" smtClean="0"/>
-              <a:t>Grupo </a:t>
-            </a:r>
-            <a:r>
-              <a:rPr lang="pt-BR" dirty="0" smtClean="0"/>
-              <a:t>3: </a:t>
-            </a:r>
-            <a:r>
-              <a:rPr lang="pt-BR" dirty="0" smtClean="0"/>
-              <a:t>pesquisa sobre árvores B</a:t>
+              <a:t>Grupo 3: pesquisa sobre árvore Rubro-Negra</a:t>
+            </a:r>
+          </a:p>
+          <a:p>
+            <a:pPr lvl="1"/>
+            <a:r>
+              <a:rPr lang="pt-BR" dirty="0" smtClean="0"/>
+              <a:t>Grupo 4: pesquisa sobre árvores B</a:t>
             </a:r>
           </a:p>
           <a:p>
@@ -2214,11 +2203,7 @@
             <a:pPr lvl="1"/>
             <a:r>
               <a:rPr lang="pt-BR" dirty="0" smtClean="0"/>
-              <a:t>13/11/2017 </a:t>
-            </a:r>
-            <a:r>
-              <a:rPr lang="pt-BR" dirty="0" smtClean="0"/>
-              <a:t>– a partir das 19h 10min</a:t>
+              <a:t>14/11/2017 – a partir das 19h 10min</a:t>
             </a:r>
             <a:endParaRPr lang="pt-BR" dirty="0"/>
           </a:p>
@@ -2593,13 +2578,6 @@
   <p:clrMapOvr>
     <a:masterClrMapping/>
   </p:clrMapOvr>
-  <p:timing>
-    <p:tnLst>
-      <p:par>
-        <p:cTn id="1" dur="indefinite" restart="never" nodeType="tmRoot"/>
-      </p:par>
-    </p:tnLst>
-  </p:timing>
 </p:sld>
 </file>
 
@@ -2748,13 +2726,6 @@
   <p:clrMapOvr>
     <a:masterClrMapping/>
   </p:clrMapOvr>
-  <p:timing>
-    <p:tnLst>
-      <p:par>
-        <p:cTn id="1" dur="indefinite" restart="never" nodeType="tmRoot"/>
-      </p:par>
-    </p:tnLst>
-  </p:timing>
 </p:sld>
 </file>
 
@@ -3390,13 +3361,6 @@
   <p:clrMapOvr>
     <a:masterClrMapping/>
   </p:clrMapOvr>
-  <p:timing>
-    <p:tnLst>
-      <p:par>
-        <p:cTn id="1" dur="indefinite" restart="never" nodeType="tmRoot"/>
-      </p:par>
-    </p:tnLst>
-  </p:timing>
 </p:sld>
 </file>
 
